--- a/01_Recursivite/Presentation/P_05_01_Recursivite_Cours_PPT.pptx
+++ b/01_Recursivite/Presentation/P_05_01_Recursivite_Cours_PPT.pptx
@@ -163,6 +163,10 @@
 </p:presentation>
 </file>
 
+<file path=ppt/revisionInfo.xml><?xml version="1.0" encoding="utf-8"?>
+<p1510:revInfo xmlns:a="http://schemas.openxmlformats.org/drawingml/2006/main" xmlns:r="http://schemas.openxmlformats.org/officeDocument/2006/relationships" xmlns:p1510="http://schemas.microsoft.com/office/powerpoint/2015/10/main"/>
+</file>
+
 <file path=ppt/notesMasters/notesMaster1.xml><?xml version="1.0" encoding="utf-8"?>
 <p:notesMaster xmlns:a="http://schemas.openxmlformats.org/drawingml/2006/main" xmlns:r="http://schemas.openxmlformats.org/officeDocument/2006/relationships" xmlns:p="http://schemas.openxmlformats.org/presentationml/2006/main">
   <p:cSld>
@@ -246,7 +250,7 @@
             <a:fld id="{E494A05E-DEA9-4CEA-A63B-3593EEF3AC45}" type="datetimeFigureOut">
               <a:rPr lang="fr-FR" smtClean="0"/>
               <a:pPr/>
-              <a:t>12/09/2016</a:t>
+              <a:t>29/08/2017</a:t>
             </a:fld>
             <a:endParaRPr lang="fr-FR"/>
           </a:p>
@@ -832,7 +836,7 @@
           <a:p>
             <a:fld id="{6F3208CB-8F26-4BC3-8552-71446892877A}" type="datetime1">
               <a:rPr lang="fr-FR" smtClean="0"/>
-              <a:t>12/09/2016</a:t>
+              <a:t>29/08/2017</a:t>
             </a:fld>
             <a:endParaRPr lang="fr-FR"/>
           </a:p>
@@ -1195,7 +1199,7 @@
           <a:p>
             <a:fld id="{AB2537EC-3472-4E92-A8DF-A6D471C1F02A}" type="datetime1">
               <a:rPr lang="fr-FR" smtClean="0"/>
-              <a:t>12/09/2016</a:t>
+              <a:t>29/08/2017</a:t>
             </a:fld>
             <a:endParaRPr lang="fr-FR"/>
           </a:p>
@@ -1374,7 +1378,7 @@
           <a:p>
             <a:fld id="{E9E4FAC4-F9E9-485C-9DAD-4241257C02F3}" type="datetime1">
               <a:rPr lang="fr-FR" smtClean="0"/>
-              <a:t>12/09/2016</a:t>
+              <a:t>29/08/2017</a:t>
             </a:fld>
             <a:endParaRPr lang="fr-FR"/>
           </a:p>
@@ -1624,7 +1628,7 @@
           <a:p>
             <a:fld id="{5DBBE032-2739-41E9-BFFA-D79554DBCF20}" type="datetime1">
               <a:rPr lang="fr-FR" smtClean="0"/>
-              <a:t>12/09/2016</a:t>
+              <a:t>29/08/2017</a:t>
             </a:fld>
             <a:endParaRPr lang="fr-FR"/>
           </a:p>
@@ -1944,7 +1948,7 @@
           <a:p>
             <a:fld id="{0F398640-5EA9-4205-B4E8-4A460D500E75}" type="datetime1">
               <a:rPr lang="fr-FR" smtClean="0"/>
-              <a:t>12/09/2016</a:t>
+              <a:t>29/08/2017</a:t>
             </a:fld>
             <a:endParaRPr lang="fr-FR"/>
           </a:p>
@@ -2168,7 +2172,7 @@
           <a:p>
             <a:fld id="{9D59B31E-2A1F-4679-9525-5D5C5E70AA1B}" type="datetime1">
               <a:rPr lang="fr-FR" smtClean="0"/>
-              <a:t>12/09/2016</a:t>
+              <a:t>29/08/2017</a:t>
             </a:fld>
             <a:endParaRPr lang="fr-FR"/>
           </a:p>
@@ -2524,7 +2528,7 @@
           <a:p>
             <a:fld id="{C8F5E3A9-B003-4E22-B657-208D1CAF043C}" type="datetime1">
               <a:rPr lang="fr-FR" smtClean="0"/>
-              <a:t>12/09/2016</a:t>
+              <a:t>29/08/2017</a:t>
             </a:fld>
             <a:endParaRPr lang="fr-FR"/>
           </a:p>
@@ -2760,7 +2764,7 @@
           <a:p>
             <a:fld id="{6CE811C2-721D-4ADE-A8E5-DB9CA684F9A0}" type="datetime1">
               <a:rPr lang="fr-FR" smtClean="0"/>
-              <a:t>12/09/2016</a:t>
+              <a:t>29/08/2017</a:t>
             </a:fld>
             <a:endParaRPr lang="fr-FR"/>
           </a:p>
@@ -2904,7 +2908,7 @@
           <a:p>
             <a:fld id="{069DEDAF-1EB9-4A8E-B613-32778F5A70AC}" type="datetime1">
               <a:rPr lang="fr-FR" smtClean="0"/>
-              <a:t>12/09/2016</a:t>
+              <a:t>29/08/2017</a:t>
             </a:fld>
             <a:endParaRPr lang="fr-FR"/>
           </a:p>
@@ -3185,7 +3189,7 @@
           <a:p>
             <a:fld id="{A8E390A0-3CAB-45E0-9DB0-49D4ED1C3ED3}" type="datetime1">
               <a:rPr lang="fr-FR" smtClean="0"/>
-              <a:t>12/09/2016</a:t>
+              <a:t>29/08/2017</a:t>
             </a:fld>
             <a:endParaRPr lang="fr-FR"/>
           </a:p>
@@ -3596,7 +3600,7 @@
           <a:p>
             <a:fld id="{138D6DEB-EE8C-4DFD-8DA3-F3E9B3C4A181}" type="datetime1">
               <a:rPr lang="fr-FR" smtClean="0"/>
-              <a:t>12/09/2016</a:t>
+              <a:t>29/08/2017</a:t>
             </a:fld>
             <a:endParaRPr lang="fr-FR"/>
           </a:p>
@@ -3938,7 +3942,7 @@
           <a:p>
             <a:fld id="{A21BA41E-DF15-46EA-A955-C13EC325515C}" type="datetime1">
               <a:rPr lang="fr-FR" smtClean="0"/>
-              <a:t>12/09/2016</a:t>
+              <a:t>29/08/2017</a:t>
             </a:fld>
             <a:endParaRPr lang="fr-FR"/>
           </a:p>
@@ -4530,8 +4534,8 @@
           </a:p>
         </p:txBody>
       </p:sp>
-      <mc:AlternateContent xmlns:mc="http://schemas.openxmlformats.org/markup-compatibility/2006" xmlns:a14="http://schemas.microsoft.com/office/drawing/2010/main">
-        <mc:Choice Requires="a14">
+      <mc:AlternateContent xmlns:mc="http://schemas.openxmlformats.org/markup-compatibility/2006">
+        <mc:Choice xmlns:a14="http://schemas.microsoft.com/office/drawing/2010/main" Requires="a14">
           <p:sp>
             <p:nvSpPr>
               <p:cNvPr id="4" name="Sous-titre 2"/>
@@ -4748,7 +4752,11 @@
                 </a:r>
                 <a:r>
                   <a:rPr lang="fr-FR" dirty="0"/>
-                  <a:t> – PT – PT</a:t>
+                  <a:t> </a:t>
+                </a:r>
+                <a:r>
+                  <a:rPr lang="fr-FR"/>
+                  <a:t>– PSI</a:t>
                 </a:r>
                 <a14:m>
                   <m:oMath xmlns:m="http://schemas.openxmlformats.org/officeDocument/2006/math">
@@ -4772,7 +4780,7 @@
             </p:txBody>
           </p:sp>
         </mc:Choice>
-        <mc:Fallback xmlns="">
+        <mc:Fallback>
           <p:sp>
             <p:nvSpPr>
               <p:cNvPr id="4" name="Sous-titre 2"/>
@@ -4789,10 +4797,10 @@
               <a:prstGeom prst="rect">
                 <a:avLst/>
               </a:prstGeom>
-              <a:blipFill rotWithShape="1">
+              <a:blipFill>
                 <a:blip r:embed="rId3"/>
                 <a:stretch>
-                  <a:fillRect t="-10345" b="-11494"/>
+                  <a:fillRect t="-11494" b="-12644"/>
                 </a:stretch>
               </a:blipFill>
             </p:spPr>
